--- a/zyq/zyq-Q4.pptx
+++ b/zyq/zyq-Q4.pptx
@@ -4122,7 +4122,7 @@
         </p:blipFill>
         <p:spPr>
           <a:xfrm>
-            <a:off x="6914031" y="556979"/>
+            <a:off x="6948573" y="556977"/>
             <a:ext cx="6097119" cy="6109731"/>
           </a:xfrm>
           <a:prstGeom prst="rect">
@@ -4233,7 +4233,7 @@
                 </a:solidFill>
                 <a:latin typeface="Castellar" panose="020A0402060406010301" pitchFamily="18" charset="0"/>
               </a:rPr>
-              <a:t>People prefer cheaper apps (paid)</a:t>
+              <a:t>People prefer cheaper apps</a:t>
             </a:r>
             <a:endParaRPr lang="zh-CN" altLang="en-US" sz="3200" dirty="0">
               <a:solidFill>
@@ -4260,8 +4260,8 @@
         </p:nvSpPr>
         <p:spPr>
           <a:xfrm>
-            <a:off x="4706519" y="6073821"/>
-            <a:ext cx="2340106" cy="646331"/>
+            <a:off x="4760113" y="6004169"/>
+            <a:ext cx="2340106" cy="923330"/>
           </a:xfrm>
           <a:prstGeom prst="rect">
             <a:avLst/>
@@ -4282,7 +4282,7 @@
                 </a:solidFill>
                 <a:latin typeface="Castellar" panose="020A0402060406010301" pitchFamily="18" charset="0"/>
               </a:rPr>
-              <a:t>free apps dominate</a:t>
+              <a:t>Most users download free apps</a:t>
             </a:r>
             <a:endParaRPr lang="zh-CN" altLang="en-US" dirty="0">
               <a:solidFill>
@@ -4350,8 +4350,8 @@
         </p:nvSpPr>
         <p:spPr>
           <a:xfrm>
-            <a:off x="6097120" y="246931"/>
-            <a:ext cx="2025569" cy="918960"/>
+            <a:off x="5284460" y="246931"/>
+            <a:ext cx="2123337" cy="1477328"/>
           </a:xfrm>
           <a:prstGeom prst="rect">
             <a:avLst/>
@@ -4384,7 +4384,7 @@
           <a:p>
             <a:r>
               <a:rPr lang="en-US" altLang="zh-CN" dirty="0"/>
-              <a:t>Apps less than $5 account for 81.7% of total installations.</a:t>
+              <a:t>Apps less than $5 will probably receive 81.7% of rest installations.(free apps exclusive)</a:t>
             </a:r>
             <a:endParaRPr lang="zh-CN" altLang="en-US" dirty="0"/>
           </a:p>
@@ -4401,14 +4401,13 @@
           </p:cNvPr>
           <p:cNvCxnSpPr>
             <a:cxnSpLocks/>
-            <a:stCxn id="18" idx="2"/>
           </p:cNvCxnSpPr>
           <p:nvPr/>
         </p:nvCxnSpPr>
         <p:spPr>
           <a:xfrm rot="16200000" flipH="1">
-            <a:off x="6547363" y="1728432"/>
-            <a:ext cx="1260931" cy="135847"/>
+            <a:off x="6600057" y="1821901"/>
+            <a:ext cx="657702" cy="449811"/>
           </a:xfrm>
           <a:prstGeom prst="bentConnector3">
             <a:avLst>
@@ -4509,14 +4508,227 @@
             </a:r>
           </a:p>
           <a:p>
-            <a:pPr marL="800100" lvl="1" indent="-342900">
-              <a:buFont typeface="Arial" panose="020B0604020202020204" pitchFamily="34" charset="0"/>
-              <a:buChar char="•"/>
-            </a:pPr>
+            <a:pPr lvl="1"/>
             <a:r>
               <a:rPr lang="en-US" altLang="zh-CN" sz="2400" dirty="0"/>
-              <a:t>paid-services …</a:t>
-            </a:r>
+              <a:t>     paid-services …</a:t>
+            </a:r>
+          </a:p>
+        </p:txBody>
+      </p:sp>
+      <p:cxnSp>
+        <p:nvCxnSpPr>
+          <p:cNvPr id="32" name="连接符: 曲线 31">
+            <a:extLst>
+              <a:ext uri="{FF2B5EF4-FFF2-40B4-BE49-F238E27FC236}">
+                <a16:creationId xmlns:a16="http://schemas.microsoft.com/office/drawing/2014/main" id="{3CEAE78F-AB62-4FCD-B5E1-D7F87B38A077}"/>
+              </a:ext>
+            </a:extLst>
+          </p:cNvPr>
+          <p:cNvCxnSpPr/>
+          <p:nvPr/>
+        </p:nvCxnSpPr>
+        <p:spPr>
+          <a:xfrm flipV="1">
+            <a:off x="6251414" y="4444678"/>
+            <a:ext cx="613458" cy="413801"/>
+          </a:xfrm>
+          <a:prstGeom prst="curvedConnector3">
+            <a:avLst/>
+          </a:prstGeom>
+          <a:ln w="57150">
+            <a:tailEnd type="triangle"/>
+          </a:ln>
+        </p:spPr>
+        <p:style>
+          <a:lnRef idx="2">
+            <a:schemeClr val="accent4"/>
+          </a:lnRef>
+          <a:fillRef idx="0">
+            <a:schemeClr val="accent4"/>
+          </a:fillRef>
+          <a:effectRef idx="1">
+            <a:schemeClr val="accent4"/>
+          </a:effectRef>
+          <a:fontRef idx="minor">
+            <a:schemeClr val="tx1"/>
+          </a:fontRef>
+        </p:style>
+      </p:cxnSp>
+      <p:sp>
+        <p:nvSpPr>
+          <p:cNvPr id="41" name="文本框 40">
+            <a:extLst>
+              <a:ext uri="{FF2B5EF4-FFF2-40B4-BE49-F238E27FC236}">
+                <a16:creationId xmlns:a16="http://schemas.microsoft.com/office/drawing/2014/main" id="{ECB994B1-C8E1-4B62-973C-BD5B5BCFEB18}"/>
+              </a:ext>
+            </a:extLst>
+          </p:cNvPr>
+          <p:cNvSpPr txBox="1"/>
+          <p:nvPr/>
+        </p:nvSpPr>
+        <p:spPr>
+          <a:xfrm>
+            <a:off x="5134475" y="5535202"/>
+            <a:ext cx="468398" cy="369332"/>
+          </a:xfrm>
+          <a:prstGeom prst="rect">
+            <a:avLst/>
+          </a:prstGeom>
+          <a:noFill/>
+        </p:spPr>
+        <p:txBody>
+          <a:bodyPr wrap="none" rtlCol="0">
+            <a:spAutoFit/>
+          </a:bodyPr>
+          <a:lstStyle/>
+          <a:p>
+            <a:r>
+              <a:rPr lang="en-US" altLang="zh-CN" dirty="0">
+                <a:solidFill>
+                  <a:schemeClr val="bg1"/>
+                </a:solidFill>
+                <a:latin typeface="Castellar" panose="020A0402060406010301" pitchFamily="18" charset="0"/>
+              </a:rPr>
+              <a:t>$0</a:t>
+            </a:r>
+            <a:endParaRPr lang="zh-CN" altLang="en-US" dirty="0">
+              <a:solidFill>
+                <a:schemeClr val="bg1"/>
+              </a:solidFill>
+              <a:latin typeface="Castellar" panose="020A0402060406010301" pitchFamily="18" charset="0"/>
+            </a:endParaRPr>
+          </a:p>
+        </p:txBody>
+      </p:sp>
+      <p:cxnSp>
+        <p:nvCxnSpPr>
+          <p:cNvPr id="43" name="直接连接符 42">
+            <a:extLst>
+              <a:ext uri="{FF2B5EF4-FFF2-40B4-BE49-F238E27FC236}">
+                <a16:creationId xmlns:a16="http://schemas.microsoft.com/office/drawing/2014/main" id="{7445FD95-FBED-4287-B8FD-8C167D42E91D}"/>
+              </a:ext>
+            </a:extLst>
+          </p:cNvPr>
+          <p:cNvCxnSpPr/>
+          <p:nvPr/>
+        </p:nvCxnSpPr>
+        <p:spPr>
+          <a:xfrm>
+            <a:off x="5930166" y="4858479"/>
+            <a:ext cx="0" cy="1145690"/>
+          </a:xfrm>
+          <a:prstGeom prst="line">
+            <a:avLst/>
+          </a:prstGeom>
+          <a:ln>
+            <a:solidFill>
+              <a:srgbClr val="FF0000"/>
+            </a:solidFill>
+          </a:ln>
+        </p:spPr>
+        <p:style>
+          <a:lnRef idx="2">
+            <a:schemeClr val="accent2"/>
+          </a:lnRef>
+          <a:fillRef idx="0">
+            <a:schemeClr val="accent2"/>
+          </a:fillRef>
+          <a:effectRef idx="1">
+            <a:schemeClr val="accent2"/>
+          </a:effectRef>
+          <a:fontRef idx="minor">
+            <a:schemeClr val="tx1"/>
+          </a:fontRef>
+        </p:style>
+      </p:cxnSp>
+      <p:cxnSp>
+        <p:nvCxnSpPr>
+          <p:cNvPr id="55" name="直接连接符 54">
+            <a:extLst>
+              <a:ext uri="{FF2B5EF4-FFF2-40B4-BE49-F238E27FC236}">
+                <a16:creationId xmlns:a16="http://schemas.microsoft.com/office/drawing/2014/main" id="{8A23B374-24B8-4C8D-AFCC-728165829368}"/>
+              </a:ext>
+            </a:extLst>
+          </p:cNvPr>
+          <p:cNvCxnSpPr/>
+          <p:nvPr/>
+        </p:nvCxnSpPr>
+        <p:spPr>
+          <a:xfrm flipH="1">
+            <a:off x="5930166" y="4912749"/>
+            <a:ext cx="321248" cy="1091420"/>
+          </a:xfrm>
+          <a:prstGeom prst="line">
+            <a:avLst/>
+          </a:prstGeom>
+          <a:ln>
+            <a:solidFill>
+              <a:srgbClr val="FF0000"/>
+            </a:solidFill>
+          </a:ln>
+        </p:spPr>
+        <p:style>
+          <a:lnRef idx="2">
+            <a:schemeClr val="accent2"/>
+          </a:lnRef>
+          <a:fillRef idx="0">
+            <a:schemeClr val="accent2"/>
+          </a:fillRef>
+          <a:effectRef idx="1">
+            <a:schemeClr val="accent2"/>
+          </a:effectRef>
+          <a:fontRef idx="minor">
+            <a:schemeClr val="tx1"/>
+          </a:fontRef>
+        </p:style>
+      </p:cxnSp>
+      <p:sp>
+        <p:nvSpPr>
+          <p:cNvPr id="57" name="弧形 56">
+            <a:extLst>
+              <a:ext uri="{FF2B5EF4-FFF2-40B4-BE49-F238E27FC236}">
+                <a16:creationId xmlns:a16="http://schemas.microsoft.com/office/drawing/2014/main" id="{76B8C446-5480-4E17-8C06-751FBDF70BE0}"/>
+              </a:ext>
+            </a:extLst>
+          </p:cNvPr>
+          <p:cNvSpPr/>
+          <p:nvPr/>
+        </p:nvSpPr>
+        <p:spPr>
+          <a:xfrm rot="21247835">
+            <a:off x="5598860" y="4873465"/>
+            <a:ext cx="662610" cy="215584"/>
+          </a:xfrm>
+          <a:prstGeom prst="arc">
+            <a:avLst/>
+          </a:prstGeom>
+          <a:ln>
+            <a:solidFill>
+              <a:srgbClr val="FF0000"/>
+            </a:solidFill>
+          </a:ln>
+        </p:spPr>
+        <p:style>
+          <a:lnRef idx="2">
+            <a:schemeClr val="accent2"/>
+          </a:lnRef>
+          <a:fillRef idx="0">
+            <a:schemeClr val="accent2"/>
+          </a:fillRef>
+          <a:effectRef idx="1">
+            <a:schemeClr val="accent2"/>
+          </a:effectRef>
+          <a:fontRef idx="minor">
+            <a:schemeClr val="tx1"/>
+          </a:fontRef>
+        </p:style>
+        <p:txBody>
+          <a:bodyPr rtlCol="0" anchor="ctr"/>
+          <a:lstStyle/>
+          <a:p>
+            <a:pPr algn="ctr"/>
+            <a:endParaRPr lang="zh-CN" altLang="en-US"/>
           </a:p>
         </p:txBody>
       </p:sp>
@@ -4705,6 +4917,136 @@
           </a:p>
         </p:txBody>
       </p:sp>
+      <p:sp>
+        <p:nvSpPr>
+          <p:cNvPr id="4" name="椭圆 3">
+            <a:extLst>
+              <a:ext uri="{FF2B5EF4-FFF2-40B4-BE49-F238E27FC236}">
+                <a16:creationId xmlns:a16="http://schemas.microsoft.com/office/drawing/2014/main" id="{8E448852-0FEB-4E38-9E01-4577788FA700}"/>
+              </a:ext>
+            </a:extLst>
+          </p:cNvPr>
+          <p:cNvSpPr/>
+          <p:nvPr/>
+        </p:nvSpPr>
+        <p:spPr>
+          <a:xfrm>
+            <a:off x="7118431" y="937550"/>
+            <a:ext cx="4919240" cy="1158241"/>
+          </a:xfrm>
+          <a:prstGeom prst="ellipse">
+            <a:avLst/>
+          </a:prstGeom>
+          <a:noFill/>
+          <a:ln>
+            <a:solidFill>
+              <a:srgbClr val="FF0000"/>
+            </a:solidFill>
+          </a:ln>
+        </p:spPr>
+        <p:style>
+          <a:lnRef idx="1">
+            <a:schemeClr val="accent1"/>
+          </a:lnRef>
+          <a:fillRef idx="3">
+            <a:schemeClr val="accent1"/>
+          </a:fillRef>
+          <a:effectRef idx="2">
+            <a:schemeClr val="accent1"/>
+          </a:effectRef>
+          <a:fontRef idx="minor">
+            <a:schemeClr val="lt1"/>
+          </a:fontRef>
+        </p:style>
+        <p:txBody>
+          <a:bodyPr rtlCol="0" anchor="ctr"/>
+          <a:lstStyle/>
+          <a:p>
+            <a:pPr algn="ctr"/>
+            <a:endParaRPr lang="zh-CN" altLang="en-US"/>
+          </a:p>
+        </p:txBody>
+      </p:sp>
+      <p:sp>
+        <p:nvSpPr>
+          <p:cNvPr id="5" name="文本框 4">
+            <a:extLst>
+              <a:ext uri="{FF2B5EF4-FFF2-40B4-BE49-F238E27FC236}">
+                <a16:creationId xmlns:a16="http://schemas.microsoft.com/office/drawing/2014/main" id="{BCBB1C23-C61C-4F2D-B992-DDAD0F2ABD37}"/>
+              </a:ext>
+            </a:extLst>
+          </p:cNvPr>
+          <p:cNvSpPr txBox="1"/>
+          <p:nvPr/>
+        </p:nvSpPr>
+        <p:spPr>
+          <a:xfrm>
+            <a:off x="9676435" y="5324354"/>
+            <a:ext cx="2280213" cy="1200329"/>
+          </a:xfrm>
+          <a:prstGeom prst="rect">
+            <a:avLst/>
+          </a:prstGeom>
+          <a:noFill/>
+        </p:spPr>
+        <p:txBody>
+          <a:bodyPr wrap="square" rtlCol="0">
+            <a:spAutoFit/>
+          </a:bodyPr>
+          <a:lstStyle/>
+          <a:p>
+            <a:r>
+              <a:rPr lang="en-US" altLang="zh-CN" dirty="0"/>
+              <a:t>Paid apps with high installations are generally above the average.</a:t>
+            </a:r>
+            <a:endParaRPr lang="zh-CN" altLang="en-US" dirty="0"/>
+          </a:p>
+        </p:txBody>
+      </p:sp>
+      <p:cxnSp>
+        <p:nvCxnSpPr>
+          <p:cNvPr id="7" name="直接箭头连接符 6">
+            <a:extLst>
+              <a:ext uri="{FF2B5EF4-FFF2-40B4-BE49-F238E27FC236}">
+                <a16:creationId xmlns:a16="http://schemas.microsoft.com/office/drawing/2014/main" id="{B3BA6EAA-5015-4933-92BC-520D706A1961}"/>
+              </a:ext>
+            </a:extLst>
+          </p:cNvPr>
+          <p:cNvCxnSpPr>
+            <a:cxnSpLocks/>
+          </p:cNvCxnSpPr>
+          <p:nvPr/>
+        </p:nvCxnSpPr>
+        <p:spPr>
+          <a:xfrm flipH="1" flipV="1">
+            <a:off x="9925290" y="2157102"/>
+            <a:ext cx="445626" cy="3228563"/>
+          </a:xfrm>
+          <a:prstGeom prst="straightConnector1">
+            <a:avLst/>
+          </a:prstGeom>
+          <a:ln>
+            <a:solidFill>
+              <a:srgbClr val="FF0000"/>
+            </a:solidFill>
+            <a:tailEnd type="triangle"/>
+          </a:ln>
+        </p:spPr>
+        <p:style>
+          <a:lnRef idx="2">
+            <a:schemeClr val="accent1"/>
+          </a:lnRef>
+          <a:fillRef idx="0">
+            <a:schemeClr val="accent1"/>
+          </a:fillRef>
+          <a:effectRef idx="1">
+            <a:schemeClr val="accent1"/>
+          </a:effectRef>
+          <a:fontRef idx="minor">
+            <a:schemeClr val="tx1"/>
+          </a:fontRef>
+        </p:style>
+      </p:cxnSp>
     </p:spTree>
     <p:extLst>
       <p:ext uri="{BB962C8B-B14F-4D97-AF65-F5344CB8AC3E}">

--- a/zyq/zyq-Q4.pptx
+++ b/zyq/zyq-Q4.pptx
@@ -5,29 +5,37 @@
     <p:sldMasterId id="2147483648" r:id="rId1"/>
   </p:sldMasterIdLst>
   <p:notesMasterIdLst>
-    <p:notesMasterId r:id="rId5"/>
+    <p:notesMasterId r:id="rId6"/>
   </p:notesMasterIdLst>
   <p:handoutMasterIdLst>
-    <p:handoutMasterId r:id="rId6"/>
+    <p:handoutMasterId r:id="rId7"/>
   </p:handoutMasterIdLst>
   <p:sldIdLst>
     <p:sldId id="290" r:id="rId2"/>
-    <p:sldId id="297" r:id="rId3"/>
-    <p:sldId id="298" r:id="rId4"/>
+    <p:sldId id="306" r:id="rId3"/>
+    <p:sldId id="297" r:id="rId4"/>
+    <p:sldId id="298" r:id="rId5"/>
   </p:sldIdLst>
   <p:sldSz cx="13011150" cy="7315200"/>
   <p:notesSz cx="7010400" cy="9296400"/>
   <p:embeddedFontLst>
     <p:embeddedFont>
       <p:font typeface="Calibri" panose="020F0502020204030204" pitchFamily="34" charset="0"/>
-      <p:regular r:id="rId7"/>
-      <p:bold r:id="rId8"/>
-      <p:italic r:id="rId9"/>
-      <p:boldItalic r:id="rId10"/>
+      <p:regular r:id="rId8"/>
+      <p:bold r:id="rId9"/>
+      <p:italic r:id="rId10"/>
+      <p:boldItalic r:id="rId11"/>
     </p:embeddedFont>
     <p:embeddedFont>
       <p:font typeface="Castellar" panose="020A0402060406010301" pitchFamily="18" charset="0"/>
-      <p:regular r:id="rId11"/>
+      <p:regular r:id="rId12"/>
+    </p:embeddedFont>
+    <p:embeddedFont>
+      <p:font typeface="Roboto" panose="02000000000000000000" pitchFamily="2" charset="0"/>
+      <p:regular r:id="rId13"/>
+      <p:bold r:id="rId14"/>
+      <p:italic r:id="rId15"/>
+      <p:boldItalic r:id="rId16"/>
     </p:embeddedFont>
   </p:embeddedFontLst>
   <p:defaultTextStyle>
@@ -810,7 +818,7 @@
           <a:p>
             <a:fld id="{4F38AFD9-D5DB-4A47-A4BE-251B4DF1413A}" type="slidenum">
               <a:rPr lang="en-US" smtClean="0"/>
-              <a:t>2</a:t>
+              <a:t>3</a:t>
             </a:fld>
             <a:endParaRPr lang="en-US"/>
           </a:p>
@@ -894,7 +902,7 @@
           <a:p>
             <a:fld id="{4F38AFD9-D5DB-4A47-A4BE-251B4DF1413A}" type="slidenum">
               <a:rPr lang="en-US" smtClean="0"/>
-              <a:t>3</a:t>
+              <a:t>4</a:t>
             </a:fld>
             <a:endParaRPr lang="en-US"/>
           </a:p>
@@ -4100,6 +4108,633 @@
           <a:chExt cx="0" cy="0"/>
         </a:xfrm>
       </p:grpSpPr>
+      <p:sp>
+        <p:nvSpPr>
+          <p:cNvPr id="2" name="标题 1">
+            <a:extLst>
+              <a:ext uri="{FF2B5EF4-FFF2-40B4-BE49-F238E27FC236}">
+                <a16:creationId xmlns:a16="http://schemas.microsoft.com/office/drawing/2014/main" id="{96427C67-1455-4295-805E-029F19E006A5}"/>
+              </a:ext>
+            </a:extLst>
+          </p:cNvPr>
+          <p:cNvSpPr>
+            <a:spLocks noGrp="1"/>
+          </p:cNvSpPr>
+          <p:nvPr>
+            <p:ph type="title"/>
+          </p:nvPr>
+        </p:nvSpPr>
+        <p:spPr>
+          <a:xfrm>
+            <a:off x="6800650" y="3504137"/>
+            <a:ext cx="4271058" cy="1143000"/>
+          </a:xfrm>
+        </p:spPr>
+        <p:txBody>
+          <a:bodyPr/>
+          <a:lstStyle/>
+          <a:p>
+            <a:r>
+              <a:rPr lang="en-US" altLang="zh-CN" dirty="0"/>
+              <a:t>Data Cleaning</a:t>
+            </a:r>
+            <a:endParaRPr lang="zh-CN" altLang="en-US" dirty="0"/>
+          </a:p>
+        </p:txBody>
+      </p:sp>
+      <p:sp>
+        <p:nvSpPr>
+          <p:cNvPr id="3" name="内容占位符 2">
+            <a:extLst>
+              <a:ext uri="{FF2B5EF4-FFF2-40B4-BE49-F238E27FC236}">
+                <a16:creationId xmlns:a16="http://schemas.microsoft.com/office/drawing/2014/main" id="{4439B693-0BCF-49F6-BCAA-669D2BAA3C25}"/>
+              </a:ext>
+            </a:extLst>
+          </p:cNvPr>
+          <p:cNvSpPr>
+            <a:spLocks noGrp="1"/>
+          </p:cNvSpPr>
+          <p:nvPr>
+            <p:ph idx="1"/>
+          </p:nvPr>
+        </p:nvSpPr>
+        <p:spPr>
+          <a:xfrm>
+            <a:off x="305972" y="1385320"/>
+            <a:ext cx="5497657" cy="5756260"/>
+          </a:xfrm>
+        </p:spPr>
+        <p:txBody>
+          <a:bodyPr>
+            <a:normAutofit fontScale="62500" lnSpcReduction="20000"/>
+          </a:bodyPr>
+          <a:lstStyle/>
+          <a:p>
+            <a:r>
+              <a:rPr lang="en-US" altLang="zh-CN" dirty="0"/>
+              <a:t>googleplaystore.csv:</a:t>
+            </a:r>
+          </a:p>
+          <a:p>
+            <a:pPr lvl="1">
+              <a:lnSpc>
+                <a:spcPct val="145000"/>
+              </a:lnSpc>
+            </a:pPr>
+            <a:r>
+              <a:rPr lang="en-US" altLang="zh-CN" sz="2600" b="0" i="0" dirty="0">
+                <a:solidFill>
+                  <a:srgbClr val="000000"/>
+                </a:solidFill>
+                <a:effectLst/>
+                <a:latin typeface="Roboto" panose="02000000000000000000" pitchFamily="2" charset="0"/>
+              </a:rPr>
+              <a:t>Modify </a:t>
+            </a:r>
+            <a:r>
+              <a:rPr lang="en-US" altLang="zh-CN" sz="2600" dirty="0">
+                <a:solidFill>
+                  <a:srgbClr val="000000"/>
+                </a:solidFill>
+                <a:latin typeface="Roboto" panose="02000000000000000000" pitchFamily="2" charset="0"/>
+              </a:rPr>
+              <a:t>dislocation</a:t>
+            </a:r>
+          </a:p>
+          <a:p>
+            <a:pPr lvl="1">
+              <a:lnSpc>
+                <a:spcPct val="145000"/>
+              </a:lnSpc>
+            </a:pPr>
+            <a:r>
+              <a:rPr lang="en-US" altLang="zh-CN" sz="2600" dirty="0">
+                <a:solidFill>
+                  <a:srgbClr val="000000"/>
+                </a:solidFill>
+                <a:latin typeface="Roboto" panose="02000000000000000000" pitchFamily="2" charset="0"/>
+              </a:rPr>
+              <a:t>Rating : </a:t>
+            </a:r>
+            <a:r>
+              <a:rPr lang="en-US" altLang="zh-CN" sz="2600" dirty="0" err="1">
+                <a:solidFill>
+                  <a:srgbClr val="000000"/>
+                </a:solidFill>
+                <a:latin typeface="Roboto" panose="02000000000000000000" pitchFamily="2" charset="0"/>
+              </a:rPr>
+              <a:t>NaN</a:t>
+            </a:r>
+            <a:r>
+              <a:rPr lang="en-US" altLang="zh-CN" sz="2600" dirty="0">
+                <a:solidFill>
+                  <a:srgbClr val="000000"/>
+                </a:solidFill>
+                <a:latin typeface="Roboto" panose="02000000000000000000" pitchFamily="2" charset="0"/>
+              </a:rPr>
+              <a:t>-&gt;0</a:t>
+            </a:r>
+          </a:p>
+          <a:p>
+            <a:pPr lvl="1">
+              <a:lnSpc>
+                <a:spcPct val="145000"/>
+              </a:lnSpc>
+            </a:pPr>
+            <a:r>
+              <a:rPr lang="en-US" altLang="zh-CN" sz="2600" dirty="0">
+                <a:solidFill>
+                  <a:srgbClr val="000000"/>
+                </a:solidFill>
+                <a:latin typeface="Roboto" panose="02000000000000000000" pitchFamily="2" charset="0"/>
+              </a:rPr>
+              <a:t>app list : delete the repetition</a:t>
+            </a:r>
+          </a:p>
+          <a:p>
+            <a:pPr lvl="1">
+              <a:lnSpc>
+                <a:spcPct val="145000"/>
+              </a:lnSpc>
+            </a:pPr>
+            <a:r>
+              <a:rPr lang="en-US" altLang="zh-CN" sz="2600" dirty="0">
+                <a:solidFill>
+                  <a:srgbClr val="000000"/>
+                </a:solidFill>
+                <a:latin typeface="Roboto" panose="02000000000000000000" pitchFamily="2" charset="0"/>
+              </a:rPr>
+              <a:t>size list : Convert Mb to </a:t>
+            </a:r>
+            <a:r>
+              <a:rPr lang="en-US" altLang="zh-CN" sz="2600" dirty="0" err="1">
+                <a:solidFill>
+                  <a:srgbClr val="000000"/>
+                </a:solidFill>
+                <a:latin typeface="Roboto" panose="02000000000000000000" pitchFamily="2" charset="0"/>
+              </a:rPr>
+              <a:t>Kb</a:t>
+            </a:r>
+            <a:r>
+              <a:rPr lang="en-US" altLang="zh-CN" sz="2600" dirty="0">
+                <a:solidFill>
+                  <a:srgbClr val="000000"/>
+                </a:solidFill>
+                <a:latin typeface="Roboto" panose="02000000000000000000" pitchFamily="2" charset="0"/>
+              </a:rPr>
+              <a:t> and delete the unit</a:t>
+            </a:r>
+          </a:p>
+          <a:p>
+            <a:pPr lvl="1">
+              <a:lnSpc>
+                <a:spcPct val="145000"/>
+              </a:lnSpc>
+            </a:pPr>
+            <a:r>
+              <a:rPr lang="en-US" altLang="zh-CN" sz="2600" dirty="0">
+                <a:solidFill>
+                  <a:srgbClr val="000000"/>
+                </a:solidFill>
+                <a:latin typeface="Roboto" panose="02000000000000000000" pitchFamily="2" charset="0"/>
+              </a:rPr>
+              <a:t>installs list : delete the ‘+’ </a:t>
+            </a:r>
+          </a:p>
+          <a:p>
+            <a:pPr lvl="1">
+              <a:lnSpc>
+                <a:spcPct val="145000"/>
+              </a:lnSpc>
+            </a:pPr>
+            <a:r>
+              <a:rPr lang="en-US" altLang="zh-CN" sz="2600" dirty="0">
+                <a:solidFill>
+                  <a:srgbClr val="000000"/>
+                </a:solidFill>
+                <a:latin typeface="Roboto" panose="02000000000000000000" pitchFamily="2" charset="0"/>
+              </a:rPr>
+              <a:t>Last Update : Unified formula</a:t>
+            </a:r>
+          </a:p>
+          <a:p>
+            <a:pPr lvl="1">
+              <a:lnSpc>
+                <a:spcPct val="145000"/>
+              </a:lnSpc>
+            </a:pPr>
+            <a:r>
+              <a:rPr lang="en-US" altLang="zh-CN" sz="2600" dirty="0">
+                <a:solidFill>
+                  <a:srgbClr val="000000"/>
+                </a:solidFill>
+                <a:latin typeface="Roboto" panose="02000000000000000000" pitchFamily="2" charset="0"/>
+              </a:rPr>
+              <a:t>category list : replace the null with Other</a:t>
+            </a:r>
+          </a:p>
+          <a:p>
+            <a:pPr lvl="1">
+              <a:lnSpc>
+                <a:spcPct val="145000"/>
+              </a:lnSpc>
+            </a:pPr>
+            <a:r>
+              <a:rPr lang="en-US" altLang="zh-CN" sz="2600" dirty="0">
+                <a:solidFill>
+                  <a:srgbClr val="000000"/>
+                </a:solidFill>
+                <a:latin typeface="Roboto" panose="02000000000000000000" pitchFamily="2" charset="0"/>
+              </a:rPr>
+              <a:t>Price : delete the $</a:t>
+            </a:r>
+          </a:p>
+          <a:p>
+            <a:pPr marL="457200" lvl="1" indent="0">
+              <a:lnSpc>
+                <a:spcPct val="145000"/>
+              </a:lnSpc>
+              <a:buNone/>
+            </a:pPr>
+            <a:endParaRPr lang="en-US" altLang="zh-CN" sz="2600" dirty="0"/>
+          </a:p>
+          <a:p>
+            <a:r>
+              <a:rPr lang="en-US" altLang="zh-CN" dirty="0"/>
+              <a:t>googleplay_user_reviews.csv</a:t>
+            </a:r>
+          </a:p>
+          <a:p>
+            <a:pPr lvl="1">
+              <a:lnSpc>
+                <a:spcPct val="145000"/>
+              </a:lnSpc>
+            </a:pPr>
+            <a:r>
+              <a:rPr lang="en-US" altLang="zh-CN" sz="2600" dirty="0">
+                <a:solidFill>
+                  <a:srgbClr val="000000"/>
+                </a:solidFill>
+                <a:latin typeface="Roboto" panose="02000000000000000000" pitchFamily="2" charset="0"/>
+              </a:rPr>
+              <a:t>Modify dislocation</a:t>
+            </a:r>
+          </a:p>
+          <a:p>
+            <a:pPr lvl="1">
+              <a:lnSpc>
+                <a:spcPct val="145000"/>
+              </a:lnSpc>
+            </a:pPr>
+            <a:r>
+              <a:rPr lang="en-US" altLang="zh-CN" sz="2600" dirty="0">
+                <a:solidFill>
+                  <a:srgbClr val="000000"/>
+                </a:solidFill>
+                <a:latin typeface="Roboto" panose="02000000000000000000" pitchFamily="2" charset="0"/>
+              </a:rPr>
+              <a:t>delete the null value reviews</a:t>
+            </a:r>
+          </a:p>
+          <a:p>
+            <a:pPr lvl="1">
+              <a:lnSpc>
+                <a:spcPct val="145000"/>
+              </a:lnSpc>
+            </a:pPr>
+            <a:r>
+              <a:rPr lang="en-US" altLang="zh-CN" sz="2600" dirty="0">
+                <a:solidFill>
+                  <a:srgbClr val="000000"/>
+                </a:solidFill>
+                <a:latin typeface="Roboto" panose="02000000000000000000" pitchFamily="2" charset="0"/>
+              </a:rPr>
+              <a:t>delete the redundancy review record</a:t>
+            </a:r>
+            <a:endParaRPr lang="en-US" altLang="zh-CN" sz="3200" dirty="0"/>
+          </a:p>
+          <a:p>
+            <a:endParaRPr lang="zh-CN" altLang="en-US" dirty="0"/>
+          </a:p>
+        </p:txBody>
+      </p:sp>
+      <p:pic>
+        <p:nvPicPr>
+          <p:cNvPr id="5" name="图片 4">
+            <a:extLst>
+              <a:ext uri="{FF2B5EF4-FFF2-40B4-BE49-F238E27FC236}">
+                <a16:creationId xmlns:a16="http://schemas.microsoft.com/office/drawing/2014/main" id="{62F470C3-8A50-4146-B645-533888FA276D}"/>
+              </a:ext>
+            </a:extLst>
+          </p:cNvPr>
+          <p:cNvPicPr>
+            <a:picLocks noChangeAspect="1"/>
+          </p:cNvPicPr>
+          <p:nvPr/>
+        </p:nvPicPr>
+        <p:blipFill>
+          <a:blip r:embed="rId2"/>
+          <a:stretch>
+            <a:fillRect/>
+          </a:stretch>
+        </p:blipFill>
+        <p:spPr>
+          <a:xfrm>
+            <a:off x="6098346" y="630875"/>
+            <a:ext cx="3391194" cy="754445"/>
+          </a:xfrm>
+          <a:prstGeom prst="rect">
+            <a:avLst/>
+          </a:prstGeom>
+        </p:spPr>
+      </p:pic>
+      <p:pic>
+        <p:nvPicPr>
+          <p:cNvPr id="11" name="图片 10">
+            <a:extLst>
+              <a:ext uri="{FF2B5EF4-FFF2-40B4-BE49-F238E27FC236}">
+                <a16:creationId xmlns:a16="http://schemas.microsoft.com/office/drawing/2014/main" id="{18723201-9932-494C-8D77-EAEF15F1A84F}"/>
+              </a:ext>
+            </a:extLst>
+          </p:cNvPr>
+          <p:cNvPicPr>
+            <a:picLocks noChangeAspect="1"/>
+          </p:cNvPicPr>
+          <p:nvPr/>
+        </p:nvPicPr>
+        <p:blipFill>
+          <a:blip r:embed="rId3"/>
+          <a:stretch>
+            <a:fillRect/>
+          </a:stretch>
+        </p:blipFill>
+        <p:spPr>
+          <a:xfrm>
+            <a:off x="6070353" y="1637175"/>
+            <a:ext cx="6721422" cy="1615580"/>
+          </a:xfrm>
+          <a:prstGeom prst="rect">
+            <a:avLst/>
+          </a:prstGeom>
+        </p:spPr>
+      </p:pic>
+      <p:pic>
+        <p:nvPicPr>
+          <p:cNvPr id="13" name="图片 12">
+            <a:extLst>
+              <a:ext uri="{FF2B5EF4-FFF2-40B4-BE49-F238E27FC236}">
+                <a16:creationId xmlns:a16="http://schemas.microsoft.com/office/drawing/2014/main" id="{C7D483F0-4863-44AE-A843-92CBD8C0563D}"/>
+              </a:ext>
+            </a:extLst>
+          </p:cNvPr>
+          <p:cNvPicPr>
+            <a:picLocks noChangeAspect="1"/>
+          </p:cNvPicPr>
+          <p:nvPr/>
+        </p:nvPicPr>
+        <p:blipFill>
+          <a:blip r:embed="rId4"/>
+          <a:stretch>
+            <a:fillRect/>
+          </a:stretch>
+        </p:blipFill>
+        <p:spPr>
+          <a:xfrm>
+            <a:off x="5803629" y="4870235"/>
+            <a:ext cx="6988146" cy="1615580"/>
+          </a:xfrm>
+          <a:prstGeom prst="rect">
+            <a:avLst/>
+          </a:prstGeom>
+        </p:spPr>
+      </p:pic>
+      <p:sp>
+        <p:nvSpPr>
+          <p:cNvPr id="14" name="箭头: 虚尾 13">
+            <a:extLst>
+              <a:ext uri="{FF2B5EF4-FFF2-40B4-BE49-F238E27FC236}">
+                <a16:creationId xmlns:a16="http://schemas.microsoft.com/office/drawing/2014/main" id="{3F5897E7-53B1-4F31-A307-F0EC663B04D5}"/>
+              </a:ext>
+            </a:extLst>
+          </p:cNvPr>
+          <p:cNvSpPr/>
+          <p:nvPr/>
+        </p:nvSpPr>
+        <p:spPr>
+          <a:xfrm rot="5400000">
+            <a:off x="10498926" y="3675316"/>
+            <a:ext cx="1145563" cy="854912"/>
+          </a:xfrm>
+          <a:prstGeom prst="stripedRightArrow">
+            <a:avLst/>
+          </a:prstGeom>
+        </p:spPr>
+        <p:style>
+          <a:lnRef idx="1">
+            <a:schemeClr val="accent1"/>
+          </a:lnRef>
+          <a:fillRef idx="3">
+            <a:schemeClr val="accent1"/>
+          </a:fillRef>
+          <a:effectRef idx="2">
+            <a:schemeClr val="accent1"/>
+          </a:effectRef>
+          <a:fontRef idx="minor">
+            <a:schemeClr val="lt1"/>
+          </a:fontRef>
+        </p:style>
+        <p:txBody>
+          <a:bodyPr rtlCol="0" anchor="ctr"/>
+          <a:lstStyle/>
+          <a:p>
+            <a:pPr marL="0" marR="0" lvl="0" indent="0" algn="ctr" defTabSz="914400" rtl="0" eaLnBrk="1" fontAlgn="auto" latinLnBrk="0" hangingPunct="1">
+              <a:lnSpc>
+                <a:spcPct val="100000"/>
+              </a:lnSpc>
+              <a:spcBef>
+                <a:spcPts val="0"/>
+              </a:spcBef>
+              <a:spcAft>
+                <a:spcPts val="0"/>
+              </a:spcAft>
+              <a:buClrTx/>
+              <a:buSzTx/>
+              <a:buFontTx/>
+              <a:buNone/>
+              <a:tabLst/>
+              <a:defRPr/>
+            </a:pPr>
+            <a:endParaRPr kumimoji="0" lang="zh-CN" altLang="en-US" sz="1800" b="0" i="0" u="none" strike="noStrike" kern="1200" cap="none" spc="0" normalizeH="0" baseline="0" noProof="0">
+              <a:ln>
+                <a:noFill/>
+              </a:ln>
+              <a:solidFill>
+                <a:prstClr val="white"/>
+              </a:solidFill>
+              <a:effectLst/>
+              <a:uLnTx/>
+              <a:uFillTx/>
+              <a:latin typeface="Calibri"/>
+              <a:ea typeface="宋体" panose="02010600030101010101" pitchFamily="2" charset="-122"/>
+              <a:cs typeface="+mn-cs"/>
+            </a:endParaRPr>
+          </a:p>
+        </p:txBody>
+      </p:sp>
+      <p:sp>
+        <p:nvSpPr>
+          <p:cNvPr id="17" name="文本框 16">
+            <a:extLst>
+              <a:ext uri="{FF2B5EF4-FFF2-40B4-BE49-F238E27FC236}">
+                <a16:creationId xmlns:a16="http://schemas.microsoft.com/office/drawing/2014/main" id="{53FF6601-715A-4441-B312-A30AFC65BEC7}"/>
+              </a:ext>
+            </a:extLst>
+          </p:cNvPr>
+          <p:cNvSpPr txBox="1"/>
+          <p:nvPr/>
+        </p:nvSpPr>
+        <p:spPr>
+          <a:xfrm>
+            <a:off x="9931983" y="630875"/>
+            <a:ext cx="1797415" cy="523220"/>
+          </a:xfrm>
+          <a:prstGeom prst="rect">
+            <a:avLst/>
+          </a:prstGeom>
+          <a:noFill/>
+        </p:spPr>
+        <p:txBody>
+          <a:bodyPr wrap="none" rtlCol="0">
+            <a:spAutoFit/>
+          </a:bodyPr>
+          <a:lstStyle/>
+          <a:p>
+            <a:pPr marL="0" marR="0" lvl="0" indent="0" algn="l" defTabSz="914400" rtl="0" eaLnBrk="1" fontAlgn="auto" latinLnBrk="0" hangingPunct="1">
+              <a:lnSpc>
+                <a:spcPct val="100000"/>
+              </a:lnSpc>
+              <a:spcBef>
+                <a:spcPts val="0"/>
+              </a:spcBef>
+              <a:spcAft>
+                <a:spcPts val="0"/>
+              </a:spcAft>
+              <a:buClrTx/>
+              <a:buSzTx/>
+              <a:buFontTx/>
+              <a:buNone/>
+              <a:tabLst/>
+              <a:defRPr/>
+            </a:pPr>
+            <a:r>
+              <a:rPr kumimoji="0" lang="en-US" altLang="zh-CN" sz="2800" b="0" i="0" u="none" strike="noStrike" kern="1200" cap="none" spc="0" normalizeH="0" baseline="0" noProof="0" dirty="0">
+                <a:ln>
+                  <a:noFill/>
+                </a:ln>
+                <a:solidFill>
+                  <a:prstClr val="black"/>
+                </a:solidFill>
+                <a:effectLst/>
+                <a:uLnTx/>
+                <a:uFillTx/>
+                <a:latin typeface="Calibri"/>
+                <a:ea typeface="宋体" panose="02010600030101010101" pitchFamily="2" charset="-122"/>
+                <a:cs typeface="+mn-cs"/>
+              </a:rPr>
+              <a:t>Dislocation</a:t>
+            </a:r>
+            <a:endParaRPr kumimoji="0" lang="zh-CN" altLang="en-US" sz="2800" b="0" i="0" u="none" strike="noStrike" kern="1200" cap="none" spc="0" normalizeH="0" baseline="0" noProof="0" dirty="0">
+              <a:ln>
+                <a:noFill/>
+              </a:ln>
+              <a:solidFill>
+                <a:prstClr val="black"/>
+              </a:solidFill>
+              <a:effectLst/>
+              <a:uLnTx/>
+              <a:uFillTx/>
+              <a:latin typeface="Calibri"/>
+              <a:ea typeface="宋体" panose="02010600030101010101" pitchFamily="2" charset="-122"/>
+              <a:cs typeface="+mn-cs"/>
+            </a:endParaRPr>
+          </a:p>
+        </p:txBody>
+      </p:sp>
+      <p:cxnSp>
+        <p:nvCxnSpPr>
+          <p:cNvPr id="19" name="直接箭头连接符 18">
+            <a:extLst>
+              <a:ext uri="{FF2B5EF4-FFF2-40B4-BE49-F238E27FC236}">
+                <a16:creationId xmlns:a16="http://schemas.microsoft.com/office/drawing/2014/main" id="{1A1F9601-B811-46AF-A25C-CDBDA91AAB33}"/>
+              </a:ext>
+            </a:extLst>
+          </p:cNvPr>
+          <p:cNvCxnSpPr>
+            <a:stCxn id="17" idx="1"/>
+            <a:endCxn id="5" idx="3"/>
+          </p:cNvCxnSpPr>
+          <p:nvPr/>
+        </p:nvCxnSpPr>
+        <p:spPr>
+          <a:xfrm flipH="1">
+            <a:off x="9489540" y="892485"/>
+            <a:ext cx="442443" cy="115613"/>
+          </a:xfrm>
+          <a:prstGeom prst="straightConnector1">
+            <a:avLst/>
+          </a:prstGeom>
+          <a:ln>
+            <a:solidFill>
+              <a:srgbClr val="FF0000"/>
+            </a:solidFill>
+            <a:tailEnd type="triangle"/>
+          </a:ln>
+        </p:spPr>
+        <p:style>
+          <a:lnRef idx="2">
+            <a:schemeClr val="accent1"/>
+          </a:lnRef>
+          <a:fillRef idx="0">
+            <a:schemeClr val="accent1"/>
+          </a:fillRef>
+          <a:effectRef idx="1">
+            <a:schemeClr val="accent1"/>
+          </a:effectRef>
+          <a:fontRef idx="minor">
+            <a:schemeClr val="tx1"/>
+          </a:fontRef>
+        </p:style>
+      </p:cxnSp>
+    </p:spTree>
+    <p:extLst>
+      <p:ext uri="{BB962C8B-B14F-4D97-AF65-F5344CB8AC3E}">
+        <p14:creationId xmlns:p14="http://schemas.microsoft.com/office/powerpoint/2010/main" val="18542939"/>
+      </p:ext>
+    </p:extLst>
+  </p:cSld>
+  <p:clrMapOvr>
+    <a:masterClrMapping/>
+  </p:clrMapOvr>
+</p:sld>
+</file>
+
+<file path=ppt/slides/slide3.xml><?xml version="1.0" encoding="utf-8"?>
+<p:sld xmlns:a="http://schemas.openxmlformats.org/drawingml/2006/main" xmlns:r="http://schemas.openxmlformats.org/officeDocument/2006/relationships" xmlns:p="http://schemas.openxmlformats.org/presentationml/2006/main">
+  <p:cSld>
+    <p:spTree>
+      <p:nvGrpSpPr>
+        <p:cNvPr id="1" name=""/>
+        <p:cNvGrpSpPr/>
+        <p:nvPr/>
+      </p:nvGrpSpPr>
+      <p:grpSpPr>
+        <a:xfrm>
+          <a:off x="0" y="0"/>
+          <a:ext cx="0" cy="0"/>
+          <a:chOff x="0" y="0"/>
+          <a:chExt cx="0" cy="0"/>
+        </a:xfrm>
+      </p:grpSpPr>
       <p:pic>
         <p:nvPicPr>
           <p:cNvPr id="24" name="图片 23">
@@ -4745,7 +5380,7 @@
 </p:sld>
 </file>
 
-<file path=ppt/slides/slide3.xml><?xml version="1.0" encoding="utf-8"?>
+<file path=ppt/slides/slide4.xml><?xml version="1.0" encoding="utf-8"?>
 <p:sld xmlns:a="http://schemas.openxmlformats.org/drawingml/2006/main" xmlns:r="http://schemas.openxmlformats.org/officeDocument/2006/relationships" xmlns:p="http://schemas.openxmlformats.org/presentationml/2006/main">
   <p:cSld>
     <p:spTree>

--- a/zyq/zyq-Q4.pptx
+++ b/zyq/zyq-Q4.pptx
@@ -5,37 +5,38 @@
     <p:sldMasterId id="2147483648" r:id="rId1"/>
   </p:sldMasterIdLst>
   <p:notesMasterIdLst>
-    <p:notesMasterId r:id="rId6"/>
+    <p:notesMasterId r:id="rId7"/>
   </p:notesMasterIdLst>
   <p:handoutMasterIdLst>
-    <p:handoutMasterId r:id="rId7"/>
+    <p:handoutMasterId r:id="rId8"/>
   </p:handoutMasterIdLst>
   <p:sldIdLst>
     <p:sldId id="290" r:id="rId2"/>
     <p:sldId id="306" r:id="rId3"/>
     <p:sldId id="297" r:id="rId4"/>
     <p:sldId id="298" r:id="rId5"/>
+    <p:sldId id="307" r:id="rId6"/>
   </p:sldIdLst>
   <p:sldSz cx="13011150" cy="7315200"/>
   <p:notesSz cx="7010400" cy="9296400"/>
   <p:embeddedFontLst>
     <p:embeddedFont>
       <p:font typeface="Calibri" panose="020F0502020204030204" pitchFamily="34" charset="0"/>
-      <p:regular r:id="rId8"/>
-      <p:bold r:id="rId9"/>
-      <p:italic r:id="rId10"/>
-      <p:boldItalic r:id="rId11"/>
+      <p:regular r:id="rId9"/>
+      <p:bold r:id="rId10"/>
+      <p:italic r:id="rId11"/>
+      <p:boldItalic r:id="rId12"/>
     </p:embeddedFont>
     <p:embeddedFont>
       <p:font typeface="Castellar" panose="020A0402060406010301" pitchFamily="18" charset="0"/>
-      <p:regular r:id="rId12"/>
+      <p:regular r:id="rId13"/>
     </p:embeddedFont>
     <p:embeddedFont>
       <p:font typeface="Roboto" panose="02000000000000000000" pitchFamily="2" charset="0"/>
-      <p:regular r:id="rId13"/>
-      <p:bold r:id="rId14"/>
-      <p:italic r:id="rId15"/>
-      <p:boldItalic r:id="rId16"/>
+      <p:regular r:id="rId14"/>
+      <p:bold r:id="rId15"/>
+      <p:italic r:id="rId16"/>
+      <p:boldItalic r:id="rId17"/>
     </p:embeddedFont>
   </p:embeddedFontLst>
   <p:defaultTextStyle>
@@ -231,7 +232,7 @@
           <a:p>
             <a:fld id="{50968C86-9753-4851-B13B-7DBF8C603A93}" type="datetimeFigureOut">
               <a:rPr lang="en-US" smtClean="0"/>
-              <a:t>7/26/2021</a:t>
+              <a:t>7/27/2021</a:t>
             </a:fld>
             <a:endParaRPr lang="en-US"/>
           </a:p>
@@ -396,7 +397,7 @@
           <a:p>
             <a:fld id="{1D0A429A-90FE-4F33-893D-5F2AADB556A3}" type="datetimeFigureOut">
               <a:rPr lang="en-US"/>
-              <a:t>7/26/2021</a:t>
+              <a:t>7/27/2021</a:t>
             </a:fld>
             <a:endParaRPr lang="en-US"/>
           </a:p>
@@ -1048,7 +1049,7 @@
           <a:p>
             <a:fld id="{1A2F0B57-8E6A-4005-9EDD-D258F6CC94AB}" type="datetimeFigureOut">
               <a:rPr lang="en-US" smtClean="0"/>
-              <a:t>7/26/2021</a:t>
+              <a:t>7/27/2021</a:t>
             </a:fld>
             <a:endParaRPr/>
           </a:p>
@@ -1271,7 +1272,7 @@
             <a:fld id="{20532436-246E-C341-8F9A-0B4F34C07184}" type="datetimeFigureOut">
               <a:rPr lang="en-US" smtClean="0"/>
               <a:pPr/>
-              <a:t>7/26/2021</a:t>
+              <a:t>7/27/2021</a:t>
             </a:fld>
             <a:endParaRPr lang="en-US"/>
           </a:p>
@@ -1451,7 +1452,7 @@
             <a:fld id="{20532436-246E-C341-8F9A-0B4F34C07184}" type="datetimeFigureOut">
               <a:rPr lang="en-US" smtClean="0"/>
               <a:pPr/>
-              <a:t>7/26/2021</a:t>
+              <a:t>7/27/2021</a:t>
             </a:fld>
             <a:endParaRPr lang="en-US"/>
           </a:p>
@@ -1621,7 +1622,7 @@
             <a:fld id="{20532436-246E-C341-8F9A-0B4F34C07184}" type="datetimeFigureOut">
               <a:rPr lang="en-US" smtClean="0"/>
               <a:pPr/>
-              <a:t>7/26/2021</a:t>
+              <a:t>7/27/2021</a:t>
             </a:fld>
             <a:endParaRPr lang="en-US"/>
           </a:p>
@@ -1868,7 +1869,7 @@
             <a:fld id="{20532436-246E-C341-8F9A-0B4F34C07184}" type="datetimeFigureOut">
               <a:rPr lang="en-US" smtClean="0"/>
               <a:pPr/>
-              <a:t>7/26/2021</a:t>
+              <a:t>7/27/2021</a:t>
             </a:fld>
             <a:endParaRPr lang="en-US"/>
           </a:p>
@@ -2155,7 +2156,7 @@
             <a:fld id="{20532436-246E-C341-8F9A-0B4F34C07184}" type="datetimeFigureOut">
               <a:rPr lang="en-US" smtClean="0"/>
               <a:pPr/>
-              <a:t>7/26/2021</a:t>
+              <a:t>7/27/2021</a:t>
             </a:fld>
             <a:endParaRPr lang="en-US"/>
           </a:p>
@@ -2576,7 +2577,7 @@
             <a:fld id="{20532436-246E-C341-8F9A-0B4F34C07184}" type="datetimeFigureOut">
               <a:rPr lang="en-US" smtClean="0"/>
               <a:pPr/>
-              <a:t>7/26/2021</a:t>
+              <a:t>7/27/2021</a:t>
             </a:fld>
             <a:endParaRPr lang="en-US"/>
           </a:p>
@@ -2695,7 +2696,7 @@
             <a:fld id="{20532436-246E-C341-8F9A-0B4F34C07184}" type="datetimeFigureOut">
               <a:rPr lang="en-US" smtClean="0"/>
               <a:pPr/>
-              <a:t>7/26/2021</a:t>
+              <a:t>7/27/2021</a:t>
             </a:fld>
             <a:endParaRPr lang="en-US"/>
           </a:p>
@@ -2792,7 +2793,7 @@
             <a:fld id="{20532436-246E-C341-8F9A-0B4F34C07184}" type="datetimeFigureOut">
               <a:rPr lang="en-US" smtClean="0"/>
               <a:pPr/>
-              <a:t>7/26/2021</a:t>
+              <a:t>7/27/2021</a:t>
             </a:fld>
             <a:endParaRPr lang="en-US"/>
           </a:p>
@@ -3069,7 +3070,7 @@
             <a:fld id="{20532436-246E-C341-8F9A-0B4F34C07184}" type="datetimeFigureOut">
               <a:rPr lang="en-US" smtClean="0"/>
               <a:pPr/>
-              <a:t>7/26/2021</a:t>
+              <a:t>7/27/2021</a:t>
             </a:fld>
             <a:endParaRPr lang="en-US"/>
           </a:p>
@@ -3323,7 +3324,7 @@
             <a:fld id="{20532436-246E-C341-8F9A-0B4F34C07184}" type="datetimeFigureOut">
               <a:rPr lang="en-US" smtClean="0"/>
               <a:pPr/>
-              <a:t>7/26/2021</a:t>
+              <a:t>7/27/2021</a:t>
             </a:fld>
             <a:endParaRPr lang="en-US"/>
           </a:p>
@@ -3536,7 +3537,7 @@
             <a:fld id="{20532436-246E-C341-8F9A-0B4F34C07184}" type="datetimeFigureOut">
               <a:rPr lang="en-US" smtClean="0"/>
               <a:pPr/>
-              <a:t>7/26/2021</a:t>
+              <a:t>7/27/2021</a:t>
             </a:fld>
             <a:endParaRPr lang="en-US"/>
           </a:p>
@@ -5686,6 +5687,86 @@
     <p:extLst>
       <p:ext uri="{BB962C8B-B14F-4D97-AF65-F5344CB8AC3E}">
         <p14:creationId xmlns:p14="http://schemas.microsoft.com/office/powerpoint/2010/main" val="2580974786"/>
+      </p:ext>
+    </p:extLst>
+  </p:cSld>
+  <p:clrMapOvr>
+    <a:masterClrMapping/>
+  </p:clrMapOvr>
+</p:sld>
+</file>
+
+<file path=ppt/slides/slide5.xml><?xml version="1.0" encoding="utf-8"?>
+<p:sld xmlns:a="http://schemas.openxmlformats.org/drawingml/2006/main" xmlns:r="http://schemas.openxmlformats.org/officeDocument/2006/relationships" xmlns:p="http://schemas.openxmlformats.org/presentationml/2006/main">
+  <p:cSld>
+    <p:spTree>
+      <p:nvGrpSpPr>
+        <p:cNvPr id="1" name=""/>
+        <p:cNvGrpSpPr/>
+        <p:nvPr/>
+      </p:nvGrpSpPr>
+      <p:grpSpPr>
+        <a:xfrm>
+          <a:off x="0" y="0"/>
+          <a:ext cx="0" cy="0"/>
+          <a:chOff x="0" y="0"/>
+          <a:chExt cx="0" cy="0"/>
+        </a:xfrm>
+      </p:grpSpPr>
+      <p:sp>
+        <p:nvSpPr>
+          <p:cNvPr id="2" name="标题 1">
+            <a:extLst>
+              <a:ext uri="{FF2B5EF4-FFF2-40B4-BE49-F238E27FC236}">
+                <a16:creationId xmlns:a16="http://schemas.microsoft.com/office/drawing/2014/main" id="{BCA05445-C71D-4774-9674-4DAD354C47AB}"/>
+              </a:ext>
+            </a:extLst>
+          </p:cNvPr>
+          <p:cNvSpPr>
+            <a:spLocks noGrp="1"/>
+          </p:cNvSpPr>
+          <p:nvPr>
+            <p:ph type="title"/>
+          </p:nvPr>
+        </p:nvSpPr>
+        <p:spPr/>
+        <p:txBody>
+          <a:bodyPr/>
+          <a:lstStyle/>
+          <a:p>
+            <a:endParaRPr lang="zh-CN" altLang="en-US"/>
+          </a:p>
+        </p:txBody>
+      </p:sp>
+      <p:sp>
+        <p:nvSpPr>
+          <p:cNvPr id="6" name="内容占位符 5">
+            <a:extLst>
+              <a:ext uri="{FF2B5EF4-FFF2-40B4-BE49-F238E27FC236}">
+                <a16:creationId xmlns:a16="http://schemas.microsoft.com/office/drawing/2014/main" id="{06BB0216-A972-4166-9A83-269D6EEFE029}"/>
+              </a:ext>
+            </a:extLst>
+          </p:cNvPr>
+          <p:cNvSpPr>
+            <a:spLocks noGrp="1"/>
+          </p:cNvSpPr>
+          <p:nvPr>
+            <p:ph idx="1"/>
+          </p:nvPr>
+        </p:nvSpPr>
+        <p:spPr/>
+        <p:txBody>
+          <a:bodyPr/>
+          <a:lstStyle/>
+          <a:p>
+            <a:endParaRPr lang="zh-CN" altLang="en-US"/>
+          </a:p>
+        </p:txBody>
+      </p:sp>
+    </p:spTree>
+    <p:extLst>
+      <p:ext uri="{BB962C8B-B14F-4D97-AF65-F5344CB8AC3E}">
+        <p14:creationId xmlns:p14="http://schemas.microsoft.com/office/powerpoint/2010/main" val="3056029599"/>
       </p:ext>
     </p:extLst>
   </p:cSld>
